--- a/note/创新实践3.pptx
+++ b/note/创新实践3.pptx
@@ -5921,8 +5921,8 @@
         </p:blipFill>
         <p:spPr>
           <a:xfrm>
-            <a:off x="1467485" y="-187960"/>
-            <a:ext cx="10231120" cy="7233920"/>
+            <a:off x="-2861945" y="-1146810"/>
+            <a:ext cx="12063730" cy="8529955"/>
           </a:xfrm>
           <a:prstGeom prst="rect">
             <a:avLst/>
@@ -8679,7 +8679,7 @@
                 <a:latin typeface="等线" panose="02010600030101010101" pitchFamily="2" charset="-122"/>
                 <a:ea typeface="等线" panose="02010600030101010101" pitchFamily="2" charset="-122"/>
               </a:rPr>
-              <a:t>：编译优化：因为访问寄存器要比 访问内存单元快的多，故编译器一般都会作减少存取内存的优化，但有可能读脏数据。</a:t>
+              <a:t>：编译优化：因为访问寄存器要比访问内存单元快的多，故编译器一般都会作减少存取内存的优化，但有可能读脏数据。</a:t>
             </a:r>
             <a:endParaRPr lang="zh-CN" altLang="en-US" dirty="0">
               <a:latin typeface="等线" panose="02010600030101010101" pitchFamily="2" charset="-122"/>
@@ -8791,7 +8791,7 @@
 <file path=ppt/tags/tag10.xml><?xml version="1.0" encoding="utf-8"?>
 <p:tagLst xmlns:p="http://schemas.openxmlformats.org/presentationml/2006/main">
   <p:tag name="KSO_WPP_MARK_KEY" val="3ee61c3a-975f-4d86-874a-ae19b7e46710"/>
-  <p:tag name="COMMONDATA" val="eyJjb3VudCI6MSwiaGRpZCI6IjA5OTE4NTJiYjRiYjlhNGM5NDA4YjFiZmJkMThkODc0IiwidXNlckNvdW50IjoxfQ=="/>
+  <p:tag name="COMMONDATA" val="eyJjb3VudCI6MiwiaGRpZCI6IjA5OTE4NTJiYjRiYjlhNGM5NDA4YjFiZmJkMThkODc0IiwidXNlckNvdW50IjoyfQ=="/>
 </p:tagLst>
 </file>
 
